--- a/Android 设计模式 思维导图.pptx
+++ b/Android 设计模式 思维导图.pptx
@@ -12,6 +12,12 @@
     <p:sldId id="260" r:id="rId7"/>
     <p:sldId id="261" r:id="rId8"/>
     <p:sldId id="262" r:id="rId9"/>
+    <p:sldId id="263" r:id="rId10"/>
+    <p:sldId id="264" r:id="rId11"/>
+    <p:sldId id="265" r:id="rId12"/>
+    <p:sldId id="266" r:id="rId13"/>
+    <p:sldId id="267" r:id="rId14"/>
+    <p:sldId id="268" r:id="rId15"/>
   </p:sldIdLst>
   <p:sldSz cx="12192000" cy="6858000"/>
   <p:notesSz cx="7103745" cy="10234295"/>
@@ -2944,6 +2950,1328 @@
 </p:sld>
 </file>
 
+<file path=ppt/slides/slide10.xml><?xml version="1.0" encoding="utf-8"?>
+<p:sld xmlns:a="http://schemas.openxmlformats.org/drawingml/2006/main" xmlns:r="http://schemas.openxmlformats.org/officeDocument/2006/relationships" xmlns:p="http://schemas.openxmlformats.org/presentationml/2006/main">
+  <p:cSld>
+    <p:spTree>
+      <p:nvGrpSpPr>
+        <p:cNvPr id="1" name=""/>
+        <p:cNvGrpSpPr/>
+        <p:nvPr/>
+      </p:nvGrpSpPr>
+      <p:grpSpPr/>
+      <p:sp>
+        <p:nvSpPr>
+          <p:cNvPr id="4" name="文本框 3"/>
+          <p:cNvSpPr txBox="1"/>
+          <p:nvPr/>
+        </p:nvSpPr>
+        <p:spPr>
+          <a:xfrm>
+            <a:off x="4061460" y="92075"/>
+            <a:ext cx="3840480" cy="368300"/>
+          </a:xfrm>
+          <a:prstGeom prst="rect">
+            <a:avLst/>
+          </a:prstGeom>
+          <a:noFill/>
+        </p:spPr>
+        <p:txBody>
+          <a:bodyPr wrap="none" rtlCol="0">
+            <a:spAutoFit/>
+          </a:bodyPr>
+          <a:p>
+            <a:pPr algn="l"/>
+            <a:r>
+              <a:rPr lang="zh-CN" altLang="en-US"/>
+              <a:t>设计模式：结构型模式——装饰模式</a:t>
+            </a:r>
+            <a:endParaRPr lang="zh-CN" altLang="en-US"/>
+          </a:p>
+        </p:txBody>
+      </p:sp>
+      <p:sp>
+        <p:nvSpPr>
+          <p:cNvPr id="5" name="左大括号 4"/>
+          <p:cNvSpPr/>
+          <p:nvPr/>
+        </p:nvSpPr>
+        <p:spPr>
+          <a:xfrm>
+            <a:off x="208280" y="557530"/>
+            <a:ext cx="511175" cy="6090920"/>
+          </a:xfrm>
+          <a:prstGeom prst="leftBrace">
+            <a:avLst/>
+          </a:prstGeom>
+        </p:spPr>
+        <p:style>
+          <a:lnRef idx="1">
+            <a:schemeClr val="accent1"/>
+          </a:lnRef>
+          <a:fillRef idx="0">
+            <a:schemeClr val="accent1"/>
+          </a:fillRef>
+          <a:effectRef idx="0">
+            <a:schemeClr val="accent1"/>
+          </a:effectRef>
+          <a:fontRef idx="minor">
+            <a:schemeClr val="tx1"/>
+          </a:fontRef>
+        </p:style>
+        <p:txBody>
+          <a:bodyPr rtlCol="0" anchor="ctr"/>
+          <a:p>
+            <a:pPr algn="ctr"/>
+            <a:endParaRPr lang="zh-CN" altLang="en-US"/>
+          </a:p>
+        </p:txBody>
+      </p:sp>
+      <p:sp>
+        <p:nvSpPr>
+          <p:cNvPr id="6" name="文本框 5"/>
+          <p:cNvSpPr txBox="1"/>
+          <p:nvPr/>
+        </p:nvSpPr>
+        <p:spPr>
+          <a:xfrm>
+            <a:off x="719455" y="557530"/>
+            <a:ext cx="10673080" cy="306705"/>
+          </a:xfrm>
+          <a:prstGeom prst="rect">
+            <a:avLst/>
+          </a:prstGeom>
+          <a:noFill/>
+        </p:spPr>
+        <p:txBody>
+          <a:bodyPr wrap="none" rtlCol="0">
+            <a:spAutoFit/>
+          </a:bodyPr>
+          <a:p>
+            <a:pPr algn="l"/>
+            <a:r>
+              <a:rPr lang="zh-CN" altLang="en-US" sz="1400"/>
+              <a:t>装饰模式：装饰模式也称为包装模式，可以动态地给一个对象添加一些额外的职责，就增加功能来说，装饰模式相比生成子类更加灵活</a:t>
+            </a:r>
+            <a:endParaRPr lang="zh-CN" altLang="en-US" sz="1400"/>
+          </a:p>
+        </p:txBody>
+      </p:sp>
+      <p:sp>
+        <p:nvSpPr>
+          <p:cNvPr id="7" name="文本框 6"/>
+          <p:cNvSpPr txBox="1"/>
+          <p:nvPr/>
+        </p:nvSpPr>
+        <p:spPr>
+          <a:xfrm>
+            <a:off x="719455" y="892810"/>
+            <a:ext cx="11739880" cy="2245360"/>
+          </a:xfrm>
+          <a:prstGeom prst="rect">
+            <a:avLst/>
+          </a:prstGeom>
+          <a:noFill/>
+        </p:spPr>
+        <p:txBody>
+          <a:bodyPr wrap="none" rtlCol="0">
+            <a:spAutoFit/>
+          </a:bodyPr>
+          <a:p>
+            <a:pPr algn="l"/>
+            <a:r>
+              <a:rPr lang="zh-CN" altLang="en-US" sz="1400"/>
+              <a:t>使用场景：</a:t>
+            </a:r>
+            <a:endParaRPr lang="zh-CN" altLang="en-US" sz="1400"/>
+          </a:p>
+          <a:p>
+            <a:pPr algn="l"/>
+            <a:r>
+              <a:rPr lang="zh-CN" altLang="en-US" sz="1400"/>
+              <a:t>需要透明且动态地扩展类的功能时</a:t>
+            </a:r>
+            <a:endParaRPr lang="zh-CN" altLang="en-US" sz="1400"/>
+          </a:p>
+          <a:p>
+            <a:pPr algn="l"/>
+            <a:r>
+              <a:rPr lang="zh-CN" altLang="en-US" sz="1400"/>
+              <a:t>装饰模式是以对客户端透明的方式扩展对象的功能，是继承关系的一个替代方案；而代理模式则是给一个对象提供一个代理对象，</a:t>
+            </a:r>
+            <a:endParaRPr lang="zh-CN" altLang="en-US" sz="1400"/>
+          </a:p>
+          <a:p>
+            <a:pPr algn="l"/>
+            <a:r>
+              <a:rPr lang="zh-CN" altLang="en-US" sz="1400"/>
+              <a:t>并有代理对象来控制原有对象的引用。装饰模式应该为所装饰的对象增强功能；代理模式对代理的对象施加控制，但不对对象本身的功能进行增强。</a:t>
+            </a:r>
+            <a:endParaRPr lang="zh-CN" altLang="en-US" sz="1400"/>
+          </a:p>
+          <a:p>
+            <a:pPr algn="l"/>
+            <a:endParaRPr lang="zh-CN" altLang="en-US" sz="1400"/>
+          </a:p>
+          <a:p>
+            <a:pPr algn="l"/>
+            <a:r>
+              <a:rPr lang="zh-CN" altLang="en-US" sz="1400"/>
+              <a:t>装饰模式是为已有功能动态地添加更多功能的一种方式。当系统需要新功能的时候，是向旧的类中添加新的代码。这些新加的代码通常</a:t>
+            </a:r>
+            <a:endParaRPr lang="zh-CN" altLang="en-US" sz="1400"/>
+          </a:p>
+          <a:p>
+            <a:pPr algn="l"/>
+            <a:r>
+              <a:rPr lang="zh-CN" altLang="en-US" sz="1400"/>
+              <a:t>装饰了原有类的核心职责或主要行为，在主类中加入了新的字段，新的方法和新的逻辑，从而增加了主类的复杂度，而这些新加入的东西</a:t>
+            </a:r>
+            <a:endParaRPr lang="zh-CN" altLang="en-US" sz="1400"/>
+          </a:p>
+          <a:p>
+            <a:pPr algn="l"/>
+            <a:r>
+              <a:rPr lang="zh-CN" altLang="en-US" sz="1400"/>
+              <a:t>仅仅是为了满足一些只有某种特定情况下才会执行的特殊行为的需要。装饰模式缺提供了一个非常好的解决方案，它把每个要装饰的功能</a:t>
+            </a:r>
+            <a:endParaRPr lang="zh-CN" altLang="en-US" sz="1400"/>
+          </a:p>
+          <a:p>
+            <a:pPr algn="l"/>
+            <a:r>
+              <a:rPr lang="zh-CN" altLang="en-US" sz="1400"/>
+              <a:t>放到单独的类中，并让这个类包装它所要装饰的对象，因此，当需要执行特殊行为时，客户代码就可以运行时根据需要有选择地、</a:t>
+            </a:r>
+            <a:endParaRPr lang="zh-CN" altLang="en-US" sz="1400"/>
+          </a:p>
+          <a:p>
+            <a:pPr algn="l"/>
+            <a:r>
+              <a:rPr lang="zh-CN" altLang="en-US" sz="1400"/>
+              <a:t>按顺序地使用装饰功能包装对象了。</a:t>
+            </a:r>
+            <a:endParaRPr lang="zh-CN" altLang="en-US" sz="1400"/>
+          </a:p>
+        </p:txBody>
+      </p:sp>
+      <p:pic>
+        <p:nvPicPr>
+          <p:cNvPr id="8" name="图片 7"/>
+          <p:cNvPicPr>
+            <a:picLocks noChangeAspect="1"/>
+          </p:cNvPicPr>
+          <p:nvPr/>
+        </p:nvPicPr>
+        <p:blipFill>
+          <a:blip r:embed="rId1"/>
+          <a:stretch>
+            <a:fillRect/>
+          </a:stretch>
+        </p:blipFill>
+        <p:spPr>
+          <a:xfrm>
+            <a:off x="7901940" y="3050540"/>
+            <a:ext cx="3118485" cy="2047240"/>
+          </a:xfrm>
+          <a:prstGeom prst="rect">
+            <a:avLst/>
+          </a:prstGeom>
+        </p:spPr>
+      </p:pic>
+      <p:sp>
+        <p:nvSpPr>
+          <p:cNvPr id="9" name="文本框 8"/>
+          <p:cNvSpPr txBox="1"/>
+          <p:nvPr/>
+        </p:nvSpPr>
+        <p:spPr>
+          <a:xfrm>
+            <a:off x="719455" y="3166745"/>
+            <a:ext cx="6050280" cy="1814830"/>
+          </a:xfrm>
+          <a:prstGeom prst="rect">
+            <a:avLst/>
+          </a:prstGeom>
+          <a:noFill/>
+        </p:spPr>
+        <p:txBody>
+          <a:bodyPr wrap="none" rtlCol="0">
+            <a:spAutoFit/>
+          </a:bodyPr>
+          <a:p>
+            <a:pPr algn="l"/>
+            <a:r>
+              <a:rPr lang="en-US" altLang="zh-CN" sz="1400"/>
+              <a:t>1</a:t>
+            </a:r>
+            <a:r>
+              <a:rPr lang="zh-CN" altLang="en-US" sz="1400"/>
+              <a:t>、Component</a:t>
+            </a:r>
+            <a:endParaRPr lang="zh-CN" altLang="en-US" sz="1400"/>
+          </a:p>
+          <a:p>
+            <a:pPr algn="l"/>
+            <a:r>
+              <a:rPr lang="zh-CN" altLang="en-US" sz="1400"/>
+              <a:t>抽象组件，可以是一个接口或抽象类，其充当的是就是被装饰的原始对象。</a:t>
+            </a:r>
+            <a:endParaRPr lang="zh-CN" altLang="en-US" sz="1400"/>
+          </a:p>
+          <a:p>
+            <a:pPr algn="l"/>
+            <a:r>
+              <a:rPr lang="en-US" altLang="zh-CN" sz="1400"/>
+              <a:t>2</a:t>
+            </a:r>
+            <a:r>
+              <a:rPr lang="zh-CN" altLang="en-US" sz="1400"/>
+              <a:t>、ConcreteComponent</a:t>
+            </a:r>
+            <a:endParaRPr lang="zh-CN" altLang="en-US" sz="1400"/>
+          </a:p>
+          <a:p>
+            <a:pPr algn="l"/>
+            <a:r>
+              <a:rPr lang="zh-CN" altLang="en-US" sz="1400"/>
+              <a:t>组件具体实现类</a:t>
+            </a:r>
+            <a:endParaRPr lang="zh-CN" altLang="en-US" sz="1400"/>
+          </a:p>
+          <a:p>
+            <a:pPr algn="l"/>
+            <a:r>
+              <a:rPr lang="en-US" altLang="zh-CN" sz="1400"/>
+              <a:t>3</a:t>
+            </a:r>
+            <a:r>
+              <a:rPr lang="zh-CN" altLang="en-US" sz="1400"/>
+              <a:t>、Decorator</a:t>
+            </a:r>
+            <a:endParaRPr lang="zh-CN" altLang="en-US" sz="1400"/>
+          </a:p>
+          <a:p>
+            <a:pPr algn="l"/>
+            <a:r>
+              <a:rPr lang="zh-CN" altLang="en-US" sz="1400"/>
+              <a:t>抽象装饰者。</a:t>
+            </a:r>
+            <a:endParaRPr lang="zh-CN" altLang="en-US" sz="1400"/>
+          </a:p>
+          <a:p>
+            <a:pPr algn="l"/>
+            <a:r>
+              <a:rPr lang="en-US" altLang="zh-CN" sz="1400"/>
+              <a:t>4</a:t>
+            </a:r>
+            <a:r>
+              <a:rPr lang="zh-CN" altLang="en-US" sz="1400"/>
+              <a:t>、ConcreteDecoratorA</a:t>
+            </a:r>
+            <a:endParaRPr lang="zh-CN" altLang="en-US" sz="1400"/>
+          </a:p>
+          <a:p>
+            <a:pPr algn="l"/>
+            <a:r>
+              <a:rPr lang="zh-CN" altLang="en-US" sz="1400"/>
+              <a:t>装饰者具体实现类</a:t>
+            </a:r>
+            <a:endParaRPr lang="zh-CN" altLang="en-US" sz="1400"/>
+          </a:p>
+        </p:txBody>
+      </p:sp>
+    </p:spTree>
+  </p:cSld>
+  <p:clrMapOvr>
+    <a:masterClrMapping/>
+  </p:clrMapOvr>
+</p:sld>
+</file>
+
+<file path=ppt/slides/slide11.xml><?xml version="1.0" encoding="utf-8"?>
+<p:sld xmlns:a="http://schemas.openxmlformats.org/drawingml/2006/main" xmlns:r="http://schemas.openxmlformats.org/officeDocument/2006/relationships" xmlns:p="http://schemas.openxmlformats.org/presentationml/2006/main">
+  <p:cSld>
+    <p:spTree>
+      <p:nvGrpSpPr>
+        <p:cNvPr id="1" name=""/>
+        <p:cNvGrpSpPr/>
+        <p:nvPr/>
+      </p:nvGrpSpPr>
+      <p:grpSpPr/>
+      <p:sp>
+        <p:nvSpPr>
+          <p:cNvPr id="4" name="文本框 3"/>
+          <p:cNvSpPr txBox="1"/>
+          <p:nvPr/>
+        </p:nvSpPr>
+        <p:spPr>
+          <a:xfrm>
+            <a:off x="4008120" y="92075"/>
+            <a:ext cx="3840480" cy="368300"/>
+          </a:xfrm>
+          <a:prstGeom prst="rect">
+            <a:avLst/>
+          </a:prstGeom>
+          <a:noFill/>
+        </p:spPr>
+        <p:txBody>
+          <a:bodyPr wrap="none" rtlCol="0">
+            <a:spAutoFit/>
+          </a:bodyPr>
+          <a:p>
+            <a:pPr algn="l"/>
+            <a:r>
+              <a:rPr lang="zh-CN" altLang="en-US"/>
+              <a:t>设计模式：结构型模式——享元模式</a:t>
+            </a:r>
+            <a:endParaRPr lang="zh-CN" altLang="en-US"/>
+          </a:p>
+        </p:txBody>
+      </p:sp>
+      <p:sp>
+        <p:nvSpPr>
+          <p:cNvPr id="5" name="左大括号 4"/>
+          <p:cNvSpPr/>
+          <p:nvPr/>
+        </p:nvSpPr>
+        <p:spPr>
+          <a:xfrm>
+            <a:off x="173355" y="615950"/>
+            <a:ext cx="464820" cy="5974080"/>
+          </a:xfrm>
+          <a:prstGeom prst="leftBrace">
+            <a:avLst/>
+          </a:prstGeom>
+        </p:spPr>
+        <p:style>
+          <a:lnRef idx="1">
+            <a:schemeClr val="accent1"/>
+          </a:lnRef>
+          <a:fillRef idx="0">
+            <a:schemeClr val="accent1"/>
+          </a:fillRef>
+          <a:effectRef idx="0">
+            <a:schemeClr val="accent1"/>
+          </a:effectRef>
+          <a:fontRef idx="minor">
+            <a:schemeClr val="tx1"/>
+          </a:fontRef>
+        </p:style>
+        <p:txBody>
+          <a:bodyPr rtlCol="0" anchor="ctr"/>
+          <a:p>
+            <a:pPr algn="ctr"/>
+            <a:endParaRPr lang="zh-CN" altLang="en-US"/>
+          </a:p>
+        </p:txBody>
+      </p:sp>
+      <p:sp>
+        <p:nvSpPr>
+          <p:cNvPr id="6" name="文本框 5"/>
+          <p:cNvSpPr txBox="1"/>
+          <p:nvPr/>
+        </p:nvSpPr>
+        <p:spPr>
+          <a:xfrm>
+            <a:off x="638175" y="615950"/>
+            <a:ext cx="4805680" cy="306705"/>
+          </a:xfrm>
+          <a:prstGeom prst="rect">
+            <a:avLst/>
+          </a:prstGeom>
+          <a:noFill/>
+        </p:spPr>
+        <p:txBody>
+          <a:bodyPr wrap="none" rtlCol="0">
+            <a:spAutoFit/>
+          </a:bodyPr>
+          <a:p>
+            <a:pPr algn="l"/>
+            <a:r>
+              <a:rPr lang="en-US" altLang="zh-CN" sz="1400"/>
+              <a:t>_x0008_</a:t>
+            </a:r>
+            <a:r>
+              <a:rPr lang="zh-CN" altLang="en-US" sz="1400"/>
+              <a:t>享元模式：使用享元对象可有效地支持大量的细粒度的对象</a:t>
+            </a:r>
+            <a:endParaRPr lang="zh-CN" altLang="en-US" sz="1400"/>
+          </a:p>
+        </p:txBody>
+      </p:sp>
+      <p:sp>
+        <p:nvSpPr>
+          <p:cNvPr id="7" name="文本框 6"/>
+          <p:cNvSpPr txBox="1"/>
+          <p:nvPr/>
+        </p:nvSpPr>
+        <p:spPr>
+          <a:xfrm>
+            <a:off x="638175" y="922655"/>
+            <a:ext cx="7828280" cy="953135"/>
+          </a:xfrm>
+          <a:prstGeom prst="rect">
+            <a:avLst/>
+          </a:prstGeom>
+          <a:noFill/>
+        </p:spPr>
+        <p:txBody>
+          <a:bodyPr wrap="none" rtlCol="0">
+            <a:spAutoFit/>
+          </a:bodyPr>
+          <a:p>
+            <a:pPr algn="l"/>
+            <a:r>
+              <a:rPr lang="zh-CN" altLang="en-US" sz="1400"/>
+              <a:t>使用场景</a:t>
+            </a:r>
+            <a:endParaRPr lang="zh-CN" altLang="en-US" sz="1400"/>
+          </a:p>
+          <a:p>
+            <a:pPr algn="l"/>
+            <a:r>
+              <a:rPr lang="zh-CN" altLang="en-US" sz="1400"/>
+              <a:t>系统中存在大量的相似对象</a:t>
+            </a:r>
+            <a:endParaRPr lang="zh-CN" altLang="en-US" sz="1400"/>
+          </a:p>
+          <a:p>
+            <a:pPr algn="l"/>
+            <a:r>
+              <a:rPr lang="zh-CN" altLang="en-US" sz="1400"/>
+              <a:t>细粒度的对象都具备较接近的外部状态，而且内部状态与环境无关，也就是说对象没有特定身份。</a:t>
+            </a:r>
+            <a:endParaRPr lang="zh-CN" altLang="en-US" sz="1400"/>
+          </a:p>
+          <a:p>
+            <a:pPr algn="l"/>
+            <a:r>
+              <a:rPr lang="zh-CN" altLang="en-US" sz="1400"/>
+              <a:t>需要缓冲池的场景</a:t>
+            </a:r>
+            <a:endParaRPr lang="zh-CN" altLang="en-US" sz="1400"/>
+          </a:p>
+        </p:txBody>
+      </p:sp>
+      <p:pic>
+        <p:nvPicPr>
+          <p:cNvPr id="8" name="图片 7"/>
+          <p:cNvPicPr>
+            <a:picLocks noChangeAspect="1"/>
+          </p:cNvPicPr>
+          <p:nvPr/>
+        </p:nvPicPr>
+        <p:blipFill>
+          <a:blip r:embed="rId1"/>
+          <a:stretch>
+            <a:fillRect/>
+          </a:stretch>
+        </p:blipFill>
+        <p:spPr>
+          <a:xfrm>
+            <a:off x="638175" y="3750945"/>
+            <a:ext cx="3369945" cy="2316480"/>
+          </a:xfrm>
+          <a:prstGeom prst="rect">
+            <a:avLst/>
+          </a:prstGeom>
+        </p:spPr>
+      </p:pic>
+      <p:sp>
+        <p:nvSpPr>
+          <p:cNvPr id="9" name="文本框 8"/>
+          <p:cNvSpPr txBox="1"/>
+          <p:nvPr/>
+        </p:nvSpPr>
+        <p:spPr>
+          <a:xfrm>
+            <a:off x="691515" y="2040255"/>
+            <a:ext cx="3916680" cy="1383665"/>
+          </a:xfrm>
+          <a:prstGeom prst="rect">
+            <a:avLst/>
+          </a:prstGeom>
+          <a:noFill/>
+        </p:spPr>
+        <p:txBody>
+          <a:bodyPr wrap="none" rtlCol="0">
+            <a:spAutoFit/>
+          </a:bodyPr>
+          <a:p>
+            <a:pPr algn="l"/>
+            <a:r>
+              <a:rPr lang="en-US" altLang="zh-CN" sz="1400"/>
+              <a:t>1</a:t>
+            </a:r>
+            <a:r>
+              <a:rPr lang="zh-CN" altLang="en-US" sz="1400"/>
+              <a:t>、Flyweight</a:t>
+            </a:r>
+            <a:endParaRPr lang="zh-CN" altLang="en-US" sz="1400"/>
+          </a:p>
+          <a:p>
+            <a:pPr algn="l"/>
+            <a:r>
+              <a:rPr lang="zh-CN" altLang="en-US" sz="1400"/>
+              <a:t>享元对象抽象类或者接口</a:t>
+            </a:r>
+            <a:endParaRPr lang="zh-CN" altLang="en-US" sz="1400"/>
+          </a:p>
+          <a:p>
+            <a:pPr algn="l"/>
+            <a:r>
+              <a:rPr lang="en-US" altLang="zh-CN" sz="1400"/>
+              <a:t>2</a:t>
+            </a:r>
+            <a:r>
+              <a:rPr lang="zh-CN" altLang="en-US" sz="1400"/>
+              <a:t>、ConcreteFlyweight</a:t>
+            </a:r>
+            <a:endParaRPr lang="zh-CN" altLang="en-US" sz="1400"/>
+          </a:p>
+          <a:p>
+            <a:pPr algn="l"/>
+            <a:r>
+              <a:rPr lang="zh-CN" altLang="en-US" sz="1400"/>
+              <a:t>具体的享元对象</a:t>
+            </a:r>
+            <a:endParaRPr lang="zh-CN" altLang="en-US" sz="1400"/>
+          </a:p>
+          <a:p>
+            <a:pPr algn="l"/>
+            <a:r>
+              <a:rPr lang="en-US" altLang="zh-CN" sz="1400"/>
+              <a:t>3</a:t>
+            </a:r>
+            <a:r>
+              <a:rPr lang="zh-CN" altLang="en-US" sz="1400"/>
+              <a:t>、FlyweightFactory</a:t>
+            </a:r>
+            <a:endParaRPr lang="zh-CN" altLang="en-US" sz="1400"/>
+          </a:p>
+          <a:p>
+            <a:pPr algn="l"/>
+            <a:r>
+              <a:rPr lang="zh-CN" altLang="en-US" sz="1400"/>
+              <a:t>享元工厂，负责管理享元对象池和创建享元对象</a:t>
+            </a:r>
+            <a:endParaRPr lang="zh-CN" altLang="en-US" sz="1400"/>
+          </a:p>
+        </p:txBody>
+      </p:sp>
+    </p:spTree>
+  </p:cSld>
+  <p:clrMapOvr>
+    <a:masterClrMapping/>
+  </p:clrMapOvr>
+</p:sld>
+</file>
+
+<file path=ppt/slides/slide12.xml><?xml version="1.0" encoding="utf-8"?>
+<p:sld xmlns:a="http://schemas.openxmlformats.org/drawingml/2006/main" xmlns:r="http://schemas.openxmlformats.org/officeDocument/2006/relationships" xmlns:p="http://schemas.openxmlformats.org/presentationml/2006/main">
+  <p:cSld>
+    <p:spTree>
+      <p:nvGrpSpPr>
+        <p:cNvPr id="1" name=""/>
+        <p:cNvGrpSpPr/>
+        <p:nvPr/>
+      </p:nvGrpSpPr>
+      <p:grpSpPr/>
+      <p:sp>
+        <p:nvSpPr>
+          <p:cNvPr id="4" name="文本框 3"/>
+          <p:cNvSpPr txBox="1"/>
+          <p:nvPr/>
+        </p:nvSpPr>
+        <p:spPr>
+          <a:xfrm>
+            <a:off x="4008120" y="92075"/>
+            <a:ext cx="3840480" cy="368300"/>
+          </a:xfrm>
+          <a:prstGeom prst="rect">
+            <a:avLst/>
+          </a:prstGeom>
+          <a:noFill/>
+        </p:spPr>
+        <p:txBody>
+          <a:bodyPr wrap="none" rtlCol="0">
+            <a:spAutoFit/>
+          </a:bodyPr>
+          <a:p>
+            <a:pPr algn="l"/>
+            <a:r>
+              <a:rPr lang="zh-CN" altLang="en-US"/>
+              <a:t>设计模式：结构型模式——外观模式</a:t>
+            </a:r>
+            <a:endParaRPr lang="zh-CN" altLang="en-US"/>
+          </a:p>
+        </p:txBody>
+      </p:sp>
+      <p:sp>
+        <p:nvSpPr>
+          <p:cNvPr id="5" name="左大括号 4"/>
+          <p:cNvSpPr/>
+          <p:nvPr/>
+        </p:nvSpPr>
+        <p:spPr>
+          <a:xfrm>
+            <a:off x="196850" y="546100"/>
+            <a:ext cx="348615" cy="6055995"/>
+          </a:xfrm>
+          <a:prstGeom prst="leftBrace">
+            <a:avLst/>
+          </a:prstGeom>
+        </p:spPr>
+        <p:style>
+          <a:lnRef idx="1">
+            <a:schemeClr val="accent1"/>
+          </a:lnRef>
+          <a:fillRef idx="0">
+            <a:schemeClr val="accent1"/>
+          </a:fillRef>
+          <a:effectRef idx="0">
+            <a:schemeClr val="accent1"/>
+          </a:effectRef>
+          <a:fontRef idx="minor">
+            <a:schemeClr val="tx1"/>
+          </a:fontRef>
+        </p:style>
+        <p:txBody>
+          <a:bodyPr rtlCol="0" anchor="ctr"/>
+          <a:p>
+            <a:pPr algn="ctr"/>
+            <a:endParaRPr lang="zh-CN" altLang="en-US"/>
+          </a:p>
+        </p:txBody>
+      </p:sp>
+      <p:sp>
+        <p:nvSpPr>
+          <p:cNvPr id="6" name="文本框 5"/>
+          <p:cNvSpPr txBox="1"/>
+          <p:nvPr/>
+        </p:nvSpPr>
+        <p:spPr>
+          <a:xfrm>
+            <a:off x="545465" y="546100"/>
+            <a:ext cx="11439525" cy="306705"/>
+          </a:xfrm>
+          <a:prstGeom prst="rect">
+            <a:avLst/>
+          </a:prstGeom>
+          <a:noFill/>
+        </p:spPr>
+        <p:txBody>
+          <a:bodyPr wrap="none" rtlCol="0">
+            <a:spAutoFit/>
+          </a:bodyPr>
+          <a:p>
+            <a:pPr algn="l"/>
+            <a:r>
+              <a:rPr lang="zh-CN" altLang="en-US" sz="1400"/>
+              <a:t>外观模式：要求一个子系统的外部与其内部的通信必须通过一个统一的对象进行。Facade模式提供一个高层次的接口，使得子系统更易于使用。</a:t>
+            </a:r>
+            <a:endParaRPr lang="zh-CN" altLang="en-US" sz="1400"/>
+          </a:p>
+        </p:txBody>
+      </p:sp>
+      <p:sp>
+        <p:nvSpPr>
+          <p:cNvPr id="7" name="文本框 6"/>
+          <p:cNvSpPr txBox="1"/>
+          <p:nvPr/>
+        </p:nvSpPr>
+        <p:spPr>
+          <a:xfrm>
+            <a:off x="545465" y="938530"/>
+            <a:ext cx="11739880" cy="1383665"/>
+          </a:xfrm>
+          <a:prstGeom prst="rect">
+            <a:avLst/>
+          </a:prstGeom>
+          <a:noFill/>
+        </p:spPr>
+        <p:txBody>
+          <a:bodyPr wrap="none" rtlCol="0">
+            <a:spAutoFit/>
+          </a:bodyPr>
+          <a:p>
+            <a:pPr algn="l"/>
+            <a:r>
+              <a:rPr lang="zh-CN" altLang="en-US" sz="1400"/>
+              <a:t>使用场景</a:t>
+            </a:r>
+            <a:endParaRPr lang="zh-CN" altLang="en-US" sz="1400"/>
+          </a:p>
+          <a:p>
+            <a:pPr algn="l"/>
+            <a:r>
+              <a:rPr lang="zh-CN" altLang="en-US" sz="1400"/>
+              <a:t>为一个复杂子系统提供一个简单接口。子系统往往因为不断演化而变得越来越复杂，甚至可能被替换。大多数模式使用时都会产生更多、更小的类，</a:t>
+            </a:r>
+            <a:endParaRPr lang="zh-CN" altLang="en-US" sz="1400"/>
+          </a:p>
+          <a:p>
+            <a:pPr algn="l"/>
+            <a:r>
+              <a:rPr lang="zh-CN" altLang="en-US" sz="1400"/>
+              <a:t>在这使子系统更具可重用性的同时也更容易对子系统进行定制、修改，这种易变性使得隐藏子系统的具体实现变得尤为重要。</a:t>
+            </a:r>
+            <a:endParaRPr lang="zh-CN" altLang="en-US" sz="1400"/>
+          </a:p>
+          <a:p>
+            <a:pPr algn="l"/>
+            <a:r>
+              <a:rPr lang="zh-CN" altLang="en-US" sz="1400"/>
+              <a:t>Facade可以提供一个简单统一的接口，对外隐藏子系统的具体实现、隔离变化。</a:t>
+            </a:r>
+            <a:endParaRPr lang="zh-CN" altLang="en-US" sz="1400"/>
+          </a:p>
+          <a:p>
+            <a:pPr algn="l"/>
+            <a:r>
+              <a:rPr lang="zh-CN" altLang="en-US" sz="1400"/>
+              <a:t>当你需要构建一个层次结构的子系统时，使用Facade模式定义子系统中每层的入口点。如果子系统之间是相互依赖的，</a:t>
+            </a:r>
+            <a:endParaRPr lang="zh-CN" altLang="en-US" sz="1400"/>
+          </a:p>
+          <a:p>
+            <a:pPr algn="l"/>
+            <a:r>
+              <a:rPr lang="zh-CN" altLang="en-US" sz="1400"/>
+              <a:t>你可以让它们仅通过Facade接口进行通信，从而简化了它们之间的依赖关心。</a:t>
+            </a:r>
+            <a:endParaRPr lang="zh-CN" altLang="en-US" sz="1400"/>
+          </a:p>
+        </p:txBody>
+      </p:sp>
+      <p:sp>
+        <p:nvSpPr>
+          <p:cNvPr id="8" name="文本框 7"/>
+          <p:cNvSpPr txBox="1"/>
+          <p:nvPr/>
+        </p:nvSpPr>
+        <p:spPr>
+          <a:xfrm>
+            <a:off x="545465" y="2407920"/>
+            <a:ext cx="11439525" cy="953135"/>
+          </a:xfrm>
+          <a:prstGeom prst="rect">
+            <a:avLst/>
+          </a:prstGeom>
+          <a:noFill/>
+        </p:spPr>
+        <p:txBody>
+          <a:bodyPr wrap="none" rtlCol="0">
+            <a:spAutoFit/>
+          </a:bodyPr>
+          <a:p>
+            <a:pPr algn="l"/>
+            <a:r>
+              <a:rPr lang="zh-CN" altLang="en-US" sz="1400"/>
+              <a:t>首先，在设计初期阶段，应该有意识的将不同的两个层分离，曾与层之间建立外观Facade；其次，在开发阶段，子系统往往因为不断的重构演化</a:t>
+            </a:r>
+            <a:endParaRPr lang="zh-CN" altLang="en-US" sz="1400"/>
+          </a:p>
+          <a:p>
+            <a:pPr algn="l"/>
+            <a:r>
+              <a:rPr lang="zh-CN" altLang="en-US" sz="1400"/>
+              <a:t>而变得越来越复杂，增加外观Facade可以提供一个简单的接口，减少它们之间的依赖；第三，在维护一个遗留的大型系统时，可能这个系统</a:t>
+            </a:r>
+            <a:endParaRPr lang="zh-CN" altLang="en-US" sz="1400"/>
+          </a:p>
+          <a:p>
+            <a:pPr algn="l"/>
+            <a:r>
+              <a:rPr lang="zh-CN" altLang="en-US" sz="1400"/>
+              <a:t>已经非常难以维护和扩展了，新系统开发一个外观Facade类，来提供设计粗糙或高度复杂的遗留代码的比较清晰简单的接口，</a:t>
+            </a:r>
+            <a:endParaRPr lang="zh-CN" altLang="en-US" sz="1400"/>
+          </a:p>
+          <a:p>
+            <a:pPr algn="l"/>
+            <a:r>
+              <a:rPr lang="zh-CN" altLang="en-US" sz="1400"/>
+              <a:t>让新系统与Facade对象交互，Facade与遗留代码交互所有复杂的工作。</a:t>
+            </a:r>
+            <a:endParaRPr lang="zh-CN" altLang="en-US" sz="1400"/>
+          </a:p>
+        </p:txBody>
+      </p:sp>
+      <p:pic>
+        <p:nvPicPr>
+          <p:cNvPr id="9" name="图片 8"/>
+          <p:cNvPicPr>
+            <a:picLocks noChangeAspect="1"/>
+          </p:cNvPicPr>
+          <p:nvPr/>
+        </p:nvPicPr>
+        <p:blipFill>
+          <a:blip r:embed="rId1"/>
+          <a:stretch>
+            <a:fillRect/>
+          </a:stretch>
+        </p:blipFill>
+        <p:spPr>
+          <a:xfrm>
+            <a:off x="6563995" y="3759200"/>
+            <a:ext cx="4410075" cy="2571750"/>
+          </a:xfrm>
+          <a:prstGeom prst="rect">
+            <a:avLst/>
+          </a:prstGeom>
+        </p:spPr>
+      </p:pic>
+      <p:sp>
+        <p:nvSpPr>
+          <p:cNvPr id="10" name="文本框 9"/>
+          <p:cNvSpPr txBox="1"/>
+          <p:nvPr/>
+        </p:nvSpPr>
+        <p:spPr>
+          <a:xfrm>
+            <a:off x="545465" y="3446780"/>
+            <a:ext cx="3561080" cy="953135"/>
+          </a:xfrm>
+          <a:prstGeom prst="rect">
+            <a:avLst/>
+          </a:prstGeom>
+          <a:noFill/>
+        </p:spPr>
+        <p:txBody>
+          <a:bodyPr wrap="none" rtlCol="0">
+            <a:spAutoFit/>
+          </a:bodyPr>
+          <a:p>
+            <a:pPr algn="l"/>
+            <a:r>
+              <a:rPr lang="en-US" altLang="zh-CN" sz="1400"/>
+              <a:t>1</a:t>
+            </a:r>
+            <a:r>
+              <a:rPr lang="zh-CN" altLang="en-US" sz="1400"/>
+              <a:t>、Facade</a:t>
+            </a:r>
+            <a:endParaRPr lang="zh-CN" altLang="en-US" sz="1400"/>
+          </a:p>
+          <a:p>
+            <a:pPr algn="l"/>
+            <a:r>
+              <a:rPr lang="zh-CN" altLang="en-US" sz="1400"/>
+              <a:t>系统对外的统一接口，系统内部系统地工作</a:t>
+            </a:r>
+            <a:endParaRPr lang="zh-CN" altLang="en-US" sz="1400"/>
+          </a:p>
+          <a:p>
+            <a:pPr algn="l"/>
+            <a:r>
+              <a:rPr lang="en-US" altLang="zh-CN" sz="1400"/>
+              <a:t>2</a:t>
+            </a:r>
+            <a:r>
+              <a:rPr lang="zh-CN" altLang="en-US" sz="1400"/>
+              <a:t>、SystemA、SystemB、SystemC</a:t>
+            </a:r>
+            <a:endParaRPr lang="zh-CN" altLang="en-US" sz="1400"/>
+          </a:p>
+          <a:p>
+            <a:pPr algn="l"/>
+            <a:r>
+              <a:rPr lang="zh-CN" altLang="en-US" sz="1400"/>
+              <a:t>子系统接口</a:t>
+            </a:r>
+            <a:endParaRPr lang="zh-CN" altLang="en-US" sz="1400"/>
+          </a:p>
+        </p:txBody>
+      </p:sp>
+    </p:spTree>
+  </p:cSld>
+  <p:clrMapOvr>
+    <a:masterClrMapping/>
+  </p:clrMapOvr>
+</p:sld>
+</file>
+
+<file path=ppt/slides/slide13.xml><?xml version="1.0" encoding="utf-8"?>
+<p:sld xmlns:a="http://schemas.openxmlformats.org/drawingml/2006/main" xmlns:r="http://schemas.openxmlformats.org/officeDocument/2006/relationships" xmlns:p="http://schemas.openxmlformats.org/presentationml/2006/main">
+  <p:cSld>
+    <p:spTree>
+      <p:nvGrpSpPr>
+        <p:cNvPr id="1" name=""/>
+        <p:cNvGrpSpPr/>
+        <p:nvPr/>
+      </p:nvGrpSpPr>
+      <p:grpSpPr/>
+      <p:sp>
+        <p:nvSpPr>
+          <p:cNvPr id="4" name="文本框 3"/>
+          <p:cNvSpPr txBox="1"/>
+          <p:nvPr/>
+        </p:nvSpPr>
+        <p:spPr>
+          <a:xfrm>
+            <a:off x="4008120" y="92075"/>
+            <a:ext cx="3840480" cy="368300"/>
+          </a:xfrm>
+          <a:prstGeom prst="rect">
+            <a:avLst/>
+          </a:prstGeom>
+          <a:noFill/>
+        </p:spPr>
+        <p:txBody>
+          <a:bodyPr wrap="none" rtlCol="0">
+            <a:spAutoFit/>
+          </a:bodyPr>
+          <a:p>
+            <a:pPr algn="l"/>
+            <a:r>
+              <a:rPr lang="zh-CN" altLang="en-US"/>
+              <a:t>设计模式：结构型模式——桥接模式</a:t>
+            </a:r>
+            <a:endParaRPr lang="zh-CN" altLang="en-US"/>
+          </a:p>
+        </p:txBody>
+      </p:sp>
+      <p:sp>
+        <p:nvSpPr>
+          <p:cNvPr id="5" name="左大括号 4"/>
+          <p:cNvSpPr/>
+          <p:nvPr/>
+        </p:nvSpPr>
+        <p:spPr>
+          <a:xfrm>
+            <a:off x="173990" y="615950"/>
+            <a:ext cx="418465" cy="6021070"/>
+          </a:xfrm>
+          <a:prstGeom prst="leftBrace">
+            <a:avLst/>
+          </a:prstGeom>
+        </p:spPr>
+        <p:style>
+          <a:lnRef idx="1">
+            <a:schemeClr val="accent1"/>
+          </a:lnRef>
+          <a:fillRef idx="0">
+            <a:schemeClr val="accent1"/>
+          </a:fillRef>
+          <a:effectRef idx="0">
+            <a:schemeClr val="accent1"/>
+          </a:effectRef>
+          <a:fontRef idx="minor">
+            <a:schemeClr val="tx1"/>
+          </a:fontRef>
+        </p:style>
+        <p:txBody>
+          <a:bodyPr rtlCol="0" anchor="ctr"/>
+          <a:p>
+            <a:pPr algn="ctr"/>
+            <a:endParaRPr lang="zh-CN" altLang="en-US"/>
+          </a:p>
+        </p:txBody>
+      </p:sp>
+      <p:sp>
+        <p:nvSpPr>
+          <p:cNvPr id="6" name="文本框 5"/>
+          <p:cNvSpPr txBox="1"/>
+          <p:nvPr/>
+        </p:nvSpPr>
+        <p:spPr>
+          <a:xfrm>
+            <a:off x="592455" y="615950"/>
+            <a:ext cx="10317480" cy="953135"/>
+          </a:xfrm>
+          <a:prstGeom prst="rect">
+            <a:avLst/>
+          </a:prstGeom>
+          <a:noFill/>
+        </p:spPr>
+        <p:txBody>
+          <a:bodyPr wrap="none" rtlCol="0">
+            <a:spAutoFit/>
+          </a:bodyPr>
+          <a:p>
+            <a:pPr algn="l"/>
+            <a:r>
+              <a:rPr lang="zh-CN" altLang="en-US" sz="1400"/>
+              <a:t>桥接模式：桥接模式将抽象部分与实现部分分离，使它们都可以独立地进行变化。</a:t>
+            </a:r>
+            <a:endParaRPr lang="zh-CN" altLang="en-US" sz="1400"/>
+          </a:p>
+          <a:p>
+            <a:pPr algn="l"/>
+            <a:r>
+              <a:rPr lang="zh-CN" altLang="en-US" sz="1400"/>
+              <a:t>什么叫做抽象与它的实现分离，这并不是说，让抽象类与其派生类分离，因为这没有任何意义。实现指的是抽象类和它的派生类</a:t>
+            </a:r>
+            <a:endParaRPr lang="zh-CN" altLang="en-US" sz="1400"/>
+          </a:p>
+          <a:p>
+            <a:pPr algn="l"/>
+            <a:r>
+              <a:rPr lang="zh-CN" altLang="en-US" sz="1400"/>
+              <a:t>用来实现自己的对象。换句话说，就是指：实现系统可能有多角度分类，每一种分类都有可能变化，那么就把这种多角度分离出来</a:t>
+            </a:r>
+            <a:endParaRPr lang="zh-CN" altLang="en-US" sz="1400"/>
+          </a:p>
+          <a:p>
+            <a:pPr algn="l"/>
+            <a:r>
+              <a:rPr lang="zh-CN" altLang="en-US" sz="1400"/>
+              <a:t>让它们独立变化，减少它们之间的耦合。</a:t>
+            </a:r>
+            <a:endParaRPr lang="zh-CN" altLang="en-US" sz="1400"/>
+          </a:p>
+        </p:txBody>
+      </p:sp>
+      <p:sp>
+        <p:nvSpPr>
+          <p:cNvPr id="7" name="文本框 6"/>
+          <p:cNvSpPr txBox="1"/>
+          <p:nvPr/>
+        </p:nvSpPr>
+        <p:spPr>
+          <a:xfrm>
+            <a:off x="592455" y="1569085"/>
+            <a:ext cx="10253980" cy="1599565"/>
+          </a:xfrm>
+          <a:prstGeom prst="rect">
+            <a:avLst/>
+          </a:prstGeom>
+          <a:noFill/>
+        </p:spPr>
+        <p:txBody>
+          <a:bodyPr wrap="none" rtlCol="0">
+            <a:spAutoFit/>
+          </a:bodyPr>
+          <a:p>
+            <a:pPr algn="l"/>
+            <a:r>
+              <a:rPr lang="zh-CN" altLang="en-US" sz="1400"/>
+              <a:t>使用场景</a:t>
+            </a:r>
+            <a:endParaRPr lang="zh-CN" altLang="en-US" sz="1400"/>
+          </a:p>
+          <a:p>
+            <a:pPr algn="l"/>
+            <a:r>
+              <a:rPr lang="zh-CN" altLang="en-US" sz="1400"/>
+              <a:t>从模式的定义上我们大致可以了解到，这里Bridge的作用其实就是连接"抽象部分"与"实现部分"，但是事实上，任何多维度变化类</a:t>
+            </a:r>
+            <a:endParaRPr lang="zh-CN" altLang="en-US" sz="1400"/>
+          </a:p>
+          <a:p>
+            <a:pPr algn="l"/>
+            <a:r>
+              <a:rPr lang="zh-CN" altLang="en-US" sz="1400"/>
+              <a:t>或者多个树状类之间的耦合都可以使用桥接模式来实现解耦。</a:t>
+            </a:r>
+            <a:endParaRPr lang="zh-CN" altLang="en-US" sz="1400"/>
+          </a:p>
+          <a:p>
+            <a:pPr algn="l"/>
+            <a:r>
+              <a:rPr lang="zh-CN" altLang="en-US" sz="1400"/>
+              <a:t>如果一个系统需要在构建的抽象化角色和具体化角色之间增加更多的灵活性，避免在两个层次之间建立静态的继承联系，</a:t>
+            </a:r>
+            <a:endParaRPr lang="zh-CN" altLang="en-US" sz="1400"/>
+          </a:p>
+          <a:p>
+            <a:pPr algn="l"/>
+            <a:r>
+              <a:rPr lang="zh-CN" altLang="en-US" sz="1400"/>
+              <a:t>可以通过桥接模式使它们在抽象层建立一个关联关系。</a:t>
+            </a:r>
+            <a:endParaRPr lang="zh-CN" altLang="en-US" sz="1400"/>
+          </a:p>
+          <a:p>
+            <a:pPr algn="l"/>
+            <a:r>
+              <a:rPr lang="zh-CN" altLang="en-US" sz="1400"/>
+              <a:t>对于那些不希望使用继承或因为多层次继承导致系统类的个数急剧增加的系统，也可以考虑使用桥接模式。</a:t>
+            </a:r>
+            <a:endParaRPr lang="zh-CN" altLang="en-US" sz="1400"/>
+          </a:p>
+          <a:p>
+            <a:pPr algn="l"/>
+            <a:r>
+              <a:rPr lang="zh-CN" altLang="en-US" sz="1400"/>
+              <a:t>一个类存在两个独立变化的维度，且这两个维度都需要进行扩展。</a:t>
+            </a:r>
+            <a:endParaRPr lang="zh-CN" altLang="en-US" sz="1400"/>
+          </a:p>
+        </p:txBody>
+      </p:sp>
+      <p:pic>
+        <p:nvPicPr>
+          <p:cNvPr id="8" name="图片 7"/>
+          <p:cNvPicPr>
+            <a:picLocks noChangeAspect="1"/>
+          </p:cNvPicPr>
+          <p:nvPr/>
+        </p:nvPicPr>
+        <p:blipFill>
+          <a:blip r:embed="rId1"/>
+          <a:stretch>
+            <a:fillRect/>
+          </a:stretch>
+        </p:blipFill>
+        <p:spPr>
+          <a:xfrm>
+            <a:off x="8042275" y="4747260"/>
+            <a:ext cx="3931285" cy="2007235"/>
+          </a:xfrm>
+          <a:prstGeom prst="rect">
+            <a:avLst/>
+          </a:prstGeom>
+        </p:spPr>
+      </p:pic>
+      <p:sp>
+        <p:nvSpPr>
+          <p:cNvPr id="9" name="文本框 8"/>
+          <p:cNvSpPr txBox="1"/>
+          <p:nvPr/>
+        </p:nvSpPr>
+        <p:spPr>
+          <a:xfrm>
+            <a:off x="592455" y="3201035"/>
+            <a:ext cx="8895080" cy="2676525"/>
+          </a:xfrm>
+          <a:prstGeom prst="rect">
+            <a:avLst/>
+          </a:prstGeom>
+          <a:noFill/>
+        </p:spPr>
+        <p:txBody>
+          <a:bodyPr wrap="none" rtlCol="0">
+            <a:spAutoFit/>
+          </a:bodyPr>
+          <a:p>
+            <a:pPr algn="l"/>
+            <a:r>
+              <a:rPr lang="en-US" altLang="zh-CN" sz="1400"/>
+              <a:t>1</a:t>
+            </a:r>
+            <a:r>
+              <a:rPr lang="zh-CN" altLang="en-US" sz="1400"/>
+              <a:t>、Abstraction</a:t>
+            </a:r>
+            <a:endParaRPr lang="zh-CN" altLang="en-US" sz="1400"/>
+          </a:p>
+          <a:p>
+            <a:pPr algn="l"/>
+            <a:r>
+              <a:rPr lang="zh-CN" altLang="en-US" sz="1400"/>
+              <a:t>抽象部分</a:t>
+            </a:r>
+            <a:endParaRPr lang="zh-CN" altLang="en-US" sz="1400"/>
+          </a:p>
+          <a:p>
+            <a:pPr algn="l"/>
+            <a:r>
+              <a:rPr lang="zh-CN" altLang="en-US" sz="1400"/>
+              <a:t>该类保持一个对实现部分对象的引用，抽象部分中的方法需要调用实现部分的对象来实现，该类一般为抽象类。</a:t>
+            </a:r>
+            <a:endParaRPr lang="zh-CN" altLang="en-US" sz="1400"/>
+          </a:p>
+          <a:p>
+            <a:pPr algn="l"/>
+            <a:r>
+              <a:rPr lang="en-US" altLang="zh-CN" sz="1400"/>
+              <a:t>2</a:t>
+            </a:r>
+            <a:r>
+              <a:rPr lang="zh-CN" altLang="en-US" sz="1400"/>
+              <a:t>、RefinedAbstraction</a:t>
+            </a:r>
+            <a:endParaRPr lang="zh-CN" altLang="en-US" sz="1400"/>
+          </a:p>
+          <a:p>
+            <a:pPr algn="l"/>
+            <a:r>
+              <a:rPr lang="zh-CN" altLang="en-US" sz="1400"/>
+              <a:t>抽象部分的具体实现，该类一般是对抽象部分的方法进行完善和扩展。</a:t>
+            </a:r>
+            <a:endParaRPr lang="zh-CN" altLang="en-US" sz="1400"/>
+          </a:p>
+          <a:p>
+            <a:pPr algn="l"/>
+            <a:r>
+              <a:rPr lang="en-US" altLang="zh-CN" sz="1400"/>
+              <a:t>3</a:t>
+            </a:r>
+            <a:r>
+              <a:rPr lang="zh-CN" altLang="en-US" sz="1400"/>
+              <a:t>、Implementor</a:t>
+            </a:r>
+            <a:endParaRPr lang="zh-CN" altLang="en-US" sz="1400"/>
+          </a:p>
+          <a:p>
+            <a:pPr algn="l"/>
+            <a:r>
+              <a:rPr lang="zh-CN" altLang="en-US" sz="1400"/>
+              <a:t>可以为接口或抽象类，其方法不一定要和抽象部分的中的一致，一般情况下是由实现部分提供基本的操作，</a:t>
+            </a:r>
+            <a:endParaRPr lang="zh-CN" altLang="en-US" sz="1400"/>
+          </a:p>
+          <a:p>
+            <a:pPr algn="l"/>
+            <a:r>
+              <a:rPr lang="zh-CN" altLang="en-US" sz="1400"/>
+              <a:t>而抽象部分定义的则是基于实现部分这些基本操作的业务方法。</a:t>
+            </a:r>
+            <a:endParaRPr lang="zh-CN" altLang="en-US" sz="1400"/>
+          </a:p>
+          <a:p>
+            <a:pPr algn="l"/>
+            <a:r>
+              <a:rPr lang="en-US" altLang="zh-CN" sz="1400"/>
+              <a:t>4</a:t>
+            </a:r>
+            <a:r>
+              <a:rPr lang="zh-CN" altLang="en-US" sz="1400"/>
+              <a:t>、ConcreteImplementor</a:t>
+            </a:r>
+            <a:endParaRPr lang="zh-CN" altLang="en-US" sz="1400"/>
+          </a:p>
+          <a:p>
+            <a:pPr algn="l"/>
+            <a:r>
+              <a:rPr lang="zh-CN" altLang="en-US" sz="1400"/>
+              <a:t>实现部分的具体实现</a:t>
+            </a:r>
+            <a:endParaRPr lang="zh-CN" altLang="en-US" sz="1400"/>
+          </a:p>
+          <a:p>
+            <a:pPr algn="l"/>
+            <a:r>
+              <a:rPr lang="en-US" altLang="zh-CN" sz="1400"/>
+              <a:t>5</a:t>
+            </a:r>
+            <a:r>
+              <a:rPr lang="zh-CN" altLang="en-US" sz="1400"/>
+              <a:t>、Client</a:t>
+            </a:r>
+            <a:endParaRPr lang="zh-CN" altLang="en-US" sz="1400"/>
+          </a:p>
+          <a:p>
+            <a:pPr algn="l"/>
+            <a:r>
+              <a:rPr lang="zh-CN" altLang="en-US" sz="1400"/>
+              <a:t>客户端</a:t>
+            </a:r>
+            <a:endParaRPr lang="zh-CN" altLang="en-US" sz="1400"/>
+          </a:p>
+        </p:txBody>
+      </p:sp>
+    </p:spTree>
+  </p:cSld>
+  <p:clrMapOvr>
+    <a:masterClrMapping/>
+  </p:clrMapOvr>
+</p:sld>
+</file>
+
 <file path=ppt/slides/slide2.xml><?xml version="1.0" encoding="utf-8"?>
 <p:sld xmlns:a="http://schemas.openxmlformats.org/drawingml/2006/main" xmlns:r="http://schemas.openxmlformats.org/officeDocument/2006/relationships" xmlns:p="http://schemas.openxmlformats.org/presentationml/2006/main">
   <p:cSld>
@@ -4347,13 +5675,7 @@
               <a:rPr lang="en-US" altLang="zh-CN" sz="1400">
                 <a:sym typeface="+mn-ea"/>
               </a:rPr>
-              <a:t>Concrete</a:t>
-            </a:r>
-            <a:r>
-              <a:rPr lang="en-US" altLang="zh-CN" sz="1400">
-                <a:sym typeface="+mn-ea"/>
-              </a:rPr>
-              <a:t>Factory2</a:t>
+              <a:t>ConcreteFactory2</a:t>
             </a:r>
             <a:endParaRPr lang="zh-CN" altLang="en-US" sz="1400"/>
           </a:p>
@@ -4461,13 +5783,7 @@
               <a:rPr lang="en-US" altLang="zh-CN" sz="1400">
                 <a:sym typeface="+mn-ea"/>
               </a:rPr>
-              <a:t>concre</a:t>
-            </a:r>
-            <a:r>
-              <a:rPr lang="en-US" altLang="zh-CN" sz="1400">
-                <a:sym typeface="+mn-ea"/>
-              </a:rPr>
-              <a:t>ProductA2</a:t>
+              <a:t>concreProductA2</a:t>
             </a:r>
             <a:r>
               <a:rPr lang="zh-CN" altLang="en-US" sz="1400">
@@ -4479,13 +5795,7 @@
               <a:rPr lang="en-US" altLang="zh-CN" sz="1400">
                 <a:sym typeface="+mn-ea"/>
               </a:rPr>
-              <a:t>concre</a:t>
-            </a:r>
-            <a:r>
-              <a:rPr lang="en-US" altLang="zh-CN" sz="1400">
-                <a:sym typeface="+mn-ea"/>
-              </a:rPr>
-              <a:t>ProductB1</a:t>
+              <a:t>concreProductB1</a:t>
             </a:r>
             <a:r>
               <a:rPr lang="zh-CN" altLang="en-US" sz="1400">
@@ -4497,13 +5807,7 @@
               <a:rPr lang="en-US" altLang="zh-CN" sz="1400">
                 <a:sym typeface="+mn-ea"/>
               </a:rPr>
-              <a:t>concre</a:t>
-            </a:r>
-            <a:r>
-              <a:rPr lang="en-US" altLang="zh-CN" sz="1400">
-                <a:sym typeface="+mn-ea"/>
-              </a:rPr>
-              <a:t>ProductB1</a:t>
+              <a:t>concreProductB1</a:t>
             </a:r>
             <a:endParaRPr lang="en-US" altLang="zh-CN" sz="1400">
               <a:sym typeface="+mn-ea"/>
@@ -4978,6 +6282,748 @@
           </a:prstGeom>
         </p:spPr>
       </p:pic>
+    </p:spTree>
+  </p:cSld>
+  <p:clrMapOvr>
+    <a:masterClrMapping/>
+  </p:clrMapOvr>
+</p:sld>
+</file>
+
+<file path=ppt/slides/slide8.xml><?xml version="1.0" encoding="utf-8"?>
+<p:sld xmlns:a="http://schemas.openxmlformats.org/drawingml/2006/main" xmlns:r="http://schemas.openxmlformats.org/officeDocument/2006/relationships" xmlns:p="http://schemas.openxmlformats.org/presentationml/2006/main">
+  <p:cSld>
+    <p:spTree>
+      <p:nvGrpSpPr>
+        <p:cNvPr id="1" name=""/>
+        <p:cNvGrpSpPr/>
+        <p:nvPr/>
+      </p:nvGrpSpPr>
+      <p:grpSpPr/>
+      <p:sp>
+        <p:nvSpPr>
+          <p:cNvPr id="4" name="文本框 3"/>
+          <p:cNvSpPr txBox="1"/>
+          <p:nvPr/>
+        </p:nvSpPr>
+        <p:spPr>
+          <a:xfrm>
+            <a:off x="4175760" y="103505"/>
+            <a:ext cx="3840480" cy="368300"/>
+          </a:xfrm>
+          <a:prstGeom prst="rect">
+            <a:avLst/>
+          </a:prstGeom>
+          <a:noFill/>
+        </p:spPr>
+        <p:txBody>
+          <a:bodyPr wrap="none" rtlCol="0">
+            <a:spAutoFit/>
+          </a:bodyPr>
+          <a:p>
+            <a:pPr algn="l"/>
+            <a:r>
+              <a:rPr lang="zh-CN" altLang="en-US"/>
+              <a:t>设计模式：结构型模式——组合模式</a:t>
+            </a:r>
+            <a:endParaRPr lang="zh-CN" altLang="en-US"/>
+          </a:p>
+        </p:txBody>
+      </p:sp>
+      <p:sp>
+        <p:nvSpPr>
+          <p:cNvPr id="5" name="左大括号 4"/>
+          <p:cNvSpPr/>
+          <p:nvPr/>
+        </p:nvSpPr>
+        <p:spPr>
+          <a:xfrm>
+            <a:off x="254635" y="615950"/>
+            <a:ext cx="534670" cy="5939155"/>
+          </a:xfrm>
+          <a:prstGeom prst="leftBrace">
+            <a:avLst/>
+          </a:prstGeom>
+        </p:spPr>
+        <p:style>
+          <a:lnRef idx="1">
+            <a:schemeClr val="accent1"/>
+          </a:lnRef>
+          <a:fillRef idx="0">
+            <a:schemeClr val="accent1"/>
+          </a:fillRef>
+          <a:effectRef idx="0">
+            <a:schemeClr val="accent1"/>
+          </a:effectRef>
+          <a:fontRef idx="minor">
+            <a:schemeClr val="tx1"/>
+          </a:fontRef>
+        </p:style>
+        <p:txBody>
+          <a:bodyPr rtlCol="0" anchor="ctr"/>
+          <a:p>
+            <a:pPr algn="ctr"/>
+            <a:endParaRPr lang="zh-CN" altLang="en-US"/>
+          </a:p>
+        </p:txBody>
+      </p:sp>
+      <p:sp>
+        <p:nvSpPr>
+          <p:cNvPr id="6" name="文本框 5"/>
+          <p:cNvSpPr txBox="1"/>
+          <p:nvPr/>
+        </p:nvSpPr>
+        <p:spPr>
+          <a:xfrm>
+            <a:off x="789305" y="615950"/>
+            <a:ext cx="9293225" cy="306705"/>
+          </a:xfrm>
+          <a:prstGeom prst="rect">
+            <a:avLst/>
+          </a:prstGeom>
+          <a:noFill/>
+        </p:spPr>
+        <p:txBody>
+          <a:bodyPr wrap="none" rtlCol="0">
+            <a:spAutoFit/>
+          </a:bodyPr>
+          <a:p>
+            <a:pPr algn="l"/>
+            <a:r>
+              <a:rPr lang="zh-CN" altLang="en-US" sz="1400"/>
+              <a:t>组合模式：将对象组合成树形结构以表示"部分-整体"的层次结构，使得用户对单个对象和组合对象的使用具有一致性</a:t>
+            </a:r>
+            <a:endParaRPr lang="zh-CN" altLang="en-US" sz="1400"/>
+          </a:p>
+        </p:txBody>
+      </p:sp>
+      <p:sp>
+        <p:nvSpPr>
+          <p:cNvPr id="7" name="文本框 6"/>
+          <p:cNvSpPr txBox="1"/>
+          <p:nvPr/>
+        </p:nvSpPr>
+        <p:spPr>
+          <a:xfrm>
+            <a:off x="789305" y="922655"/>
+            <a:ext cx="3916680" cy="737235"/>
+          </a:xfrm>
+          <a:prstGeom prst="rect">
+            <a:avLst/>
+          </a:prstGeom>
+          <a:noFill/>
+        </p:spPr>
+        <p:txBody>
+          <a:bodyPr wrap="none" rtlCol="0">
+            <a:spAutoFit/>
+          </a:bodyPr>
+          <a:p>
+            <a:pPr algn="l"/>
+            <a:r>
+              <a:rPr lang="zh-CN" altLang="en-US" sz="1400"/>
+              <a:t>使用场景：</a:t>
+            </a:r>
+            <a:endParaRPr lang="zh-CN" altLang="en-US" sz="1400"/>
+          </a:p>
+          <a:p>
+            <a:pPr algn="l"/>
+            <a:r>
+              <a:rPr lang="zh-CN" altLang="en-US" sz="1400"/>
+              <a:t>表示对象的部分-整体层次结构时</a:t>
+            </a:r>
+            <a:endParaRPr lang="zh-CN" altLang="en-US" sz="1400"/>
+          </a:p>
+          <a:p>
+            <a:pPr algn="l"/>
+            <a:r>
+              <a:rPr lang="zh-CN" altLang="en-US" sz="1400"/>
+              <a:t>从一个整体中能够独立出部分模块或功能的场景</a:t>
+            </a:r>
+            <a:endParaRPr lang="zh-CN" altLang="en-US" sz="1400"/>
+          </a:p>
+        </p:txBody>
+      </p:sp>
+      <p:sp>
+        <p:nvSpPr>
+          <p:cNvPr id="8" name="文本框 7"/>
+          <p:cNvSpPr txBox="1"/>
+          <p:nvPr/>
+        </p:nvSpPr>
+        <p:spPr>
+          <a:xfrm>
+            <a:off x="789305" y="1659890"/>
+            <a:ext cx="11384280" cy="953135"/>
+          </a:xfrm>
+          <a:prstGeom prst="rect">
+            <a:avLst/>
+          </a:prstGeom>
+          <a:noFill/>
+        </p:spPr>
+        <p:txBody>
+          <a:bodyPr wrap="none" rtlCol="0">
+            <a:spAutoFit/>
+          </a:bodyPr>
+          <a:p>
+            <a:pPr algn="l"/>
+            <a:r>
+              <a:rPr lang="zh-CN" altLang="en-US" sz="1400"/>
+              <a:t>组合模式定义了包含基本对象和层次结构。基本对象可以被组合成为更复杂的组合对象，而这些组合对象又可以被组合，这样不断地递归下去，</a:t>
+            </a:r>
+            <a:endParaRPr lang="zh-CN" altLang="en-US" sz="1400"/>
+          </a:p>
+          <a:p>
+            <a:pPr algn="l"/>
+            <a:r>
+              <a:rPr lang="zh-CN" altLang="en-US" sz="1400"/>
+              <a:t>客户代码中，任何用到基本对象的地方都可以使用组合对象可。</a:t>
+            </a:r>
+            <a:endParaRPr lang="zh-CN" altLang="en-US" sz="1400"/>
+          </a:p>
+          <a:p>
+            <a:pPr algn="l"/>
+            <a:r>
+              <a:rPr lang="zh-CN" altLang="en-US" sz="1400"/>
+              <a:t>用户是不用关心到底是处理一个叶节点还是处理一个组合组件，也就用不着为定义组合而写一些选择判断语句了。</a:t>
+            </a:r>
+            <a:endParaRPr lang="zh-CN" altLang="en-US" sz="1400"/>
+          </a:p>
+          <a:p>
+            <a:pPr algn="l"/>
+            <a:r>
+              <a:rPr lang="zh-CN" altLang="en-US" sz="1400"/>
+              <a:t>组合模式让客户可以一致地使用组合结构和单个对象。</a:t>
+            </a:r>
+            <a:endParaRPr lang="zh-CN" altLang="en-US" sz="1400"/>
+          </a:p>
+        </p:txBody>
+      </p:sp>
+      <p:pic>
+        <p:nvPicPr>
+          <p:cNvPr id="9" name="图片 8"/>
+          <p:cNvPicPr>
+            <a:picLocks noChangeAspect="1"/>
+          </p:cNvPicPr>
+          <p:nvPr/>
+        </p:nvPicPr>
+        <p:blipFill>
+          <a:blip r:embed="rId1"/>
+          <a:stretch>
+            <a:fillRect/>
+          </a:stretch>
+        </p:blipFill>
+        <p:spPr>
+          <a:xfrm>
+            <a:off x="6228080" y="2742565"/>
+            <a:ext cx="3340735" cy="2726055"/>
+          </a:xfrm>
+          <a:prstGeom prst="rect">
+            <a:avLst/>
+          </a:prstGeom>
+        </p:spPr>
+      </p:pic>
+      <p:sp>
+        <p:nvSpPr>
+          <p:cNvPr id="10" name="文本框 9"/>
+          <p:cNvSpPr txBox="1"/>
+          <p:nvPr/>
+        </p:nvSpPr>
+        <p:spPr>
+          <a:xfrm>
+            <a:off x="894080" y="2742565"/>
+            <a:ext cx="5033645" cy="1814830"/>
+          </a:xfrm>
+          <a:prstGeom prst="rect">
+            <a:avLst/>
+          </a:prstGeom>
+          <a:noFill/>
+        </p:spPr>
+        <p:txBody>
+          <a:bodyPr wrap="none" rtlCol="0">
+            <a:spAutoFit/>
+          </a:bodyPr>
+          <a:p>
+            <a:pPr algn="l"/>
+            <a:r>
+              <a:rPr lang="en-US" altLang="zh-CN" sz="1400"/>
+              <a:t>1</a:t>
+            </a:r>
+            <a:r>
+              <a:rPr lang="zh-CN" altLang="en-US" sz="1400"/>
+              <a:t>、Component</a:t>
+            </a:r>
+            <a:endParaRPr lang="zh-CN" altLang="en-US" sz="1400"/>
+          </a:p>
+          <a:p>
+            <a:pPr algn="l"/>
+            <a:r>
+              <a:rPr lang="zh-CN" altLang="en-US" sz="1400"/>
+              <a:t>抽象根节点，为组合中的对象声明接口。</a:t>
+            </a:r>
+            <a:endParaRPr lang="zh-CN" altLang="en-US" sz="1400"/>
+          </a:p>
+          <a:p>
+            <a:pPr algn="l"/>
+            <a:r>
+              <a:rPr lang="en-US" altLang="zh-CN" sz="1400"/>
+              <a:t>2</a:t>
+            </a:r>
+            <a:r>
+              <a:rPr lang="zh-CN" altLang="en-US" sz="1400"/>
+              <a:t>、Composite</a:t>
+            </a:r>
+            <a:endParaRPr lang="zh-CN" altLang="en-US" sz="1400"/>
+          </a:p>
+          <a:p>
+            <a:pPr algn="l"/>
+            <a:r>
+              <a:rPr lang="zh-CN" altLang="en-US" sz="1400"/>
+              <a:t>非叶子节点，在Component接口中实现与子节点有关的操作。</a:t>
+            </a:r>
+            <a:endParaRPr lang="zh-CN" altLang="en-US" sz="1400"/>
+          </a:p>
+          <a:p>
+            <a:pPr algn="l"/>
+            <a:r>
+              <a:rPr lang="en-US" altLang="zh-CN" sz="1400"/>
+              <a:t>3</a:t>
+            </a:r>
+            <a:r>
+              <a:rPr lang="zh-CN" altLang="en-US" sz="1400"/>
+              <a:t>、Leaf</a:t>
+            </a:r>
+            <a:endParaRPr lang="zh-CN" altLang="en-US" sz="1400"/>
+          </a:p>
+          <a:p>
+            <a:pPr algn="l"/>
+            <a:r>
+              <a:rPr lang="zh-CN" altLang="en-US" sz="1400"/>
+              <a:t>在组合中表示叶子节点对象</a:t>
+            </a:r>
+            <a:endParaRPr lang="zh-CN" altLang="en-US" sz="1400"/>
+          </a:p>
+          <a:p>
+            <a:pPr algn="l"/>
+            <a:r>
+              <a:rPr lang="en-US" altLang="zh-CN" sz="1400"/>
+              <a:t>4</a:t>
+            </a:r>
+            <a:r>
+              <a:rPr lang="zh-CN" altLang="en-US" sz="1400"/>
+              <a:t>、Client</a:t>
+            </a:r>
+            <a:endParaRPr lang="zh-CN" altLang="en-US" sz="1400"/>
+          </a:p>
+          <a:p>
+            <a:pPr algn="l"/>
+            <a:r>
+              <a:rPr lang="zh-CN" altLang="en-US" sz="1400"/>
+              <a:t>客户类</a:t>
+            </a:r>
+            <a:endParaRPr lang="zh-CN" altLang="en-US" sz="1400"/>
+          </a:p>
+        </p:txBody>
+      </p:sp>
+    </p:spTree>
+  </p:cSld>
+  <p:clrMapOvr>
+    <a:masterClrMapping/>
+  </p:clrMapOvr>
+</p:sld>
+</file>
+
+<file path=ppt/slides/slide9.xml><?xml version="1.0" encoding="utf-8"?>
+<p:sld xmlns:a="http://schemas.openxmlformats.org/drawingml/2006/main" xmlns:r="http://schemas.openxmlformats.org/officeDocument/2006/relationships" xmlns:p="http://schemas.openxmlformats.org/presentationml/2006/main">
+  <p:cSld>
+    <p:spTree>
+      <p:nvGrpSpPr>
+        <p:cNvPr id="1" name=""/>
+        <p:cNvGrpSpPr/>
+        <p:nvPr/>
+      </p:nvGrpSpPr>
+      <p:grpSpPr/>
+      <p:sp>
+        <p:nvSpPr>
+          <p:cNvPr id="4" name="文本框 3"/>
+          <p:cNvSpPr txBox="1"/>
+          <p:nvPr/>
+        </p:nvSpPr>
+        <p:spPr>
+          <a:xfrm>
+            <a:off x="4061460" y="92075"/>
+            <a:ext cx="4069080" cy="368300"/>
+          </a:xfrm>
+          <a:prstGeom prst="rect">
+            <a:avLst/>
+          </a:prstGeom>
+          <a:noFill/>
+        </p:spPr>
+        <p:txBody>
+          <a:bodyPr wrap="none" rtlCol="0">
+            <a:spAutoFit/>
+          </a:bodyPr>
+          <a:p>
+            <a:pPr algn="l"/>
+            <a:r>
+              <a:rPr lang="zh-CN" altLang="en-US"/>
+              <a:t>设计模式：结构型模式——适配器模式</a:t>
+            </a:r>
+            <a:endParaRPr lang="zh-CN" altLang="en-US"/>
+          </a:p>
+        </p:txBody>
+      </p:sp>
+      <p:sp>
+        <p:nvSpPr>
+          <p:cNvPr id="5" name="左大括号 4"/>
+          <p:cNvSpPr/>
+          <p:nvPr/>
+        </p:nvSpPr>
+        <p:spPr>
+          <a:xfrm>
+            <a:off x="149860" y="546100"/>
+            <a:ext cx="500380" cy="6078855"/>
+          </a:xfrm>
+          <a:prstGeom prst="leftBrace">
+            <a:avLst/>
+          </a:prstGeom>
+        </p:spPr>
+        <p:style>
+          <a:lnRef idx="1">
+            <a:schemeClr val="accent1"/>
+          </a:lnRef>
+          <a:fillRef idx="0">
+            <a:schemeClr val="accent1"/>
+          </a:fillRef>
+          <a:effectRef idx="0">
+            <a:schemeClr val="accent1"/>
+          </a:effectRef>
+          <a:fontRef idx="minor">
+            <a:schemeClr val="tx1"/>
+          </a:fontRef>
+        </p:style>
+        <p:txBody>
+          <a:bodyPr rtlCol="0" anchor="ctr"/>
+          <a:p>
+            <a:pPr algn="ctr"/>
+            <a:endParaRPr lang="zh-CN" altLang="en-US"/>
+          </a:p>
+        </p:txBody>
+      </p:sp>
+      <p:sp>
+        <p:nvSpPr>
+          <p:cNvPr id="6" name="文本框 5"/>
+          <p:cNvSpPr txBox="1"/>
+          <p:nvPr/>
+        </p:nvSpPr>
+        <p:spPr>
+          <a:xfrm>
+            <a:off x="650240" y="546100"/>
+            <a:ext cx="11028680" cy="306705"/>
+          </a:xfrm>
+          <a:prstGeom prst="rect">
+            <a:avLst/>
+          </a:prstGeom>
+          <a:noFill/>
+        </p:spPr>
+        <p:txBody>
+          <a:bodyPr wrap="none" rtlCol="0">
+            <a:spAutoFit/>
+          </a:bodyPr>
+          <a:p>
+            <a:pPr algn="l"/>
+            <a:r>
+              <a:rPr lang="zh-CN" altLang="en-US" sz="1400"/>
+              <a:t>适配器模式：适配器模式把一个类的接口变换成客户端所期待的另一个接口，从而使原本因接口不匹配而无法工作的两个类能够在一起工作</a:t>
+            </a:r>
+            <a:endParaRPr lang="zh-CN" altLang="en-US" sz="1400"/>
+          </a:p>
+        </p:txBody>
+      </p:sp>
+      <p:sp>
+        <p:nvSpPr>
+          <p:cNvPr id="7" name="文本框 6"/>
+          <p:cNvSpPr txBox="1"/>
+          <p:nvPr/>
+        </p:nvSpPr>
+        <p:spPr>
+          <a:xfrm>
+            <a:off x="650240" y="938530"/>
+            <a:ext cx="11019155" cy="521970"/>
+          </a:xfrm>
+          <a:prstGeom prst="rect">
+            <a:avLst/>
+          </a:prstGeom>
+          <a:noFill/>
+        </p:spPr>
+        <p:txBody>
+          <a:bodyPr wrap="none" rtlCol="0">
+            <a:spAutoFit/>
+          </a:bodyPr>
+          <a:p>
+            <a:pPr algn="l"/>
+            <a:r>
+              <a:rPr lang="zh-CN" altLang="en-US" sz="1400"/>
+              <a:t>使用场景： - 系统需要使用现有的类，而此类的接口不符合系统的需要，即接口不兼容 - 想要建立一个可以重复使用的类，</a:t>
+            </a:r>
+            <a:endParaRPr lang="zh-CN" altLang="en-US" sz="1400"/>
+          </a:p>
+          <a:p>
+            <a:pPr algn="l"/>
+            <a:r>
+              <a:rPr lang="zh-CN" altLang="en-US" sz="1400"/>
+              <a:t>用于与一些彼此之间没有太大关联的一些类，包括一些可能在将来引进的类一起工作 - 需要一个统一的输出接口，而输入端的类型不可预知</a:t>
+            </a:r>
+            <a:endParaRPr lang="zh-CN" altLang="en-US" sz="1400"/>
+          </a:p>
+        </p:txBody>
+      </p:sp>
+      <p:sp>
+        <p:nvSpPr>
+          <p:cNvPr id="8" name="文本框 7"/>
+          <p:cNvSpPr txBox="1"/>
+          <p:nvPr/>
+        </p:nvSpPr>
+        <p:spPr>
+          <a:xfrm>
+            <a:off x="650240" y="1546225"/>
+            <a:ext cx="9784080" cy="953135"/>
+          </a:xfrm>
+          <a:prstGeom prst="rect">
+            <a:avLst/>
+          </a:prstGeom>
+          <a:noFill/>
+        </p:spPr>
+        <p:txBody>
+          <a:bodyPr wrap="none" rtlCol="0">
+            <a:spAutoFit/>
+          </a:bodyPr>
+          <a:p>
+            <a:pPr algn="l"/>
+            <a:r>
+              <a:rPr lang="zh-CN" altLang="en-US" sz="1400"/>
+              <a:t>适配器模式分为两种：类适配器模式、对象适配器模式</a:t>
+            </a:r>
+            <a:endParaRPr lang="zh-CN" altLang="en-US" sz="1400"/>
+          </a:p>
+          <a:p>
+            <a:pPr algn="l"/>
+            <a:r>
+              <a:rPr lang="zh-CN" altLang="en-US" sz="1400"/>
+              <a:t>对象适配器比类适配器更加灵活，它不会将被适配对象中的方法暴露出来；而类适配器模式由于继承了被适配对象，因此，</a:t>
+            </a:r>
+            <a:endParaRPr lang="zh-CN" altLang="en-US" sz="1400"/>
+          </a:p>
+          <a:p>
+            <a:pPr algn="l"/>
+            <a:r>
+              <a:rPr lang="zh-CN" altLang="en-US" sz="1400"/>
+              <a:t>被适配对象类的函数在Adapter类中也都含有，这使得Adapter类出现一些奇怪的接口，用户使用成本较高。</a:t>
+            </a:r>
+            <a:endParaRPr lang="zh-CN" altLang="en-US" sz="1400"/>
+          </a:p>
+          <a:p>
+            <a:pPr algn="l"/>
+            <a:r>
+              <a:rPr lang="zh-CN" altLang="en-US" sz="1400"/>
+              <a:t>因此，对象适配器模式更加灵活、实用。</a:t>
+            </a:r>
+            <a:endParaRPr lang="zh-CN" altLang="en-US" sz="1400"/>
+          </a:p>
+        </p:txBody>
+      </p:sp>
+      <p:pic>
+        <p:nvPicPr>
+          <p:cNvPr id="9" name="图片 8"/>
+          <p:cNvPicPr>
+            <a:picLocks noChangeAspect="1"/>
+          </p:cNvPicPr>
+          <p:nvPr/>
+        </p:nvPicPr>
+        <p:blipFill>
+          <a:blip r:embed="rId1"/>
+          <a:stretch>
+            <a:fillRect/>
+          </a:stretch>
+        </p:blipFill>
+        <p:spPr>
+          <a:xfrm>
+            <a:off x="2835275" y="2588895"/>
+            <a:ext cx="2948305" cy="2088515"/>
+          </a:xfrm>
+          <a:prstGeom prst="rect">
+            <a:avLst/>
+          </a:prstGeom>
+        </p:spPr>
+      </p:pic>
+      <p:pic>
+        <p:nvPicPr>
+          <p:cNvPr id="10" name="图片 9"/>
+          <p:cNvPicPr>
+            <a:picLocks noChangeAspect="1"/>
+          </p:cNvPicPr>
+          <p:nvPr/>
+        </p:nvPicPr>
+        <p:blipFill>
+          <a:blip r:embed="rId2"/>
+          <a:stretch>
+            <a:fillRect/>
+          </a:stretch>
+        </p:blipFill>
+        <p:spPr>
+          <a:xfrm>
+            <a:off x="6711950" y="2604135"/>
+            <a:ext cx="3056255" cy="2091690"/>
+          </a:xfrm>
+          <a:prstGeom prst="rect">
+            <a:avLst/>
+          </a:prstGeom>
+        </p:spPr>
+      </p:pic>
+      <p:sp>
+        <p:nvSpPr>
+          <p:cNvPr id="11" name="文本框 10"/>
+          <p:cNvSpPr txBox="1"/>
+          <p:nvPr/>
+        </p:nvSpPr>
+        <p:spPr>
+          <a:xfrm>
+            <a:off x="650240" y="2585085"/>
+            <a:ext cx="1127125" cy="1383665"/>
+          </a:xfrm>
+          <a:prstGeom prst="rect">
+            <a:avLst/>
+          </a:prstGeom>
+          <a:noFill/>
+        </p:spPr>
+        <p:txBody>
+          <a:bodyPr wrap="none" rtlCol="0">
+            <a:spAutoFit/>
+          </a:bodyPr>
+          <a:p>
+            <a:r>
+              <a:rPr lang="en-US" altLang="zh-CN" sz="1400"/>
+              <a:t>1</a:t>
+            </a:r>
+            <a:r>
+              <a:rPr lang="zh-CN" altLang="en-US" sz="1400"/>
+              <a:t>、</a:t>
+            </a:r>
+            <a:r>
+              <a:rPr lang="en-US" altLang="zh-CN" sz="1400"/>
+              <a:t>Target</a:t>
+            </a:r>
+            <a:endParaRPr lang="en-US" altLang="zh-CN" sz="1400"/>
+          </a:p>
+          <a:p>
+            <a:r>
+              <a:rPr lang="zh-CN" altLang="en-US" sz="1400"/>
+              <a:t>目标接口</a:t>
+            </a:r>
+            <a:endParaRPr lang="zh-CN" altLang="en-US" sz="1400"/>
+          </a:p>
+          <a:p>
+            <a:r>
+              <a:rPr lang="en-US" altLang="zh-CN" sz="1400"/>
+              <a:t>2</a:t>
+            </a:r>
+            <a:r>
+              <a:rPr lang="zh-CN" altLang="en-US" sz="1400"/>
+              <a:t>、</a:t>
+            </a:r>
+            <a:r>
+              <a:rPr lang="en-US" altLang="zh-CN" sz="1400"/>
+              <a:t>Adapter</a:t>
+            </a:r>
+            <a:endParaRPr lang="en-US" altLang="zh-CN" sz="1400"/>
+          </a:p>
+          <a:p>
+            <a:r>
+              <a:rPr lang="zh-CN" altLang="en-US" sz="1400"/>
+              <a:t>适配器</a:t>
+            </a:r>
+            <a:endParaRPr lang="zh-CN" altLang="en-US" sz="1400"/>
+          </a:p>
+          <a:p>
+            <a:r>
+              <a:rPr lang="en-US" altLang="zh-CN" sz="1400"/>
+              <a:t>3</a:t>
+            </a:r>
+            <a:r>
+              <a:rPr lang="zh-CN" altLang="en-US" sz="1400"/>
+              <a:t>、</a:t>
+            </a:r>
+            <a:r>
+              <a:rPr lang="en-US" altLang="zh-CN" sz="1400"/>
+              <a:t>Adaptee</a:t>
+            </a:r>
+            <a:endParaRPr lang="en-US" altLang="zh-CN" sz="1400"/>
+          </a:p>
+          <a:p>
+            <a:r>
+              <a:rPr lang="zh-CN" altLang="en-US" sz="1400"/>
+              <a:t>被适配接口</a:t>
+            </a:r>
+            <a:endParaRPr lang="zh-CN" altLang="en-US" sz="1400"/>
+          </a:p>
+        </p:txBody>
+      </p:sp>
+      <p:sp>
+        <p:nvSpPr>
+          <p:cNvPr id="12" name="文本框 11"/>
+          <p:cNvSpPr txBox="1"/>
+          <p:nvPr/>
+        </p:nvSpPr>
+        <p:spPr>
+          <a:xfrm>
+            <a:off x="3497580" y="4881880"/>
+            <a:ext cx="1097280" cy="368300"/>
+          </a:xfrm>
+          <a:prstGeom prst="rect">
+            <a:avLst/>
+          </a:prstGeom>
+          <a:noFill/>
+        </p:spPr>
+        <p:txBody>
+          <a:bodyPr wrap="none" rtlCol="0">
+            <a:spAutoFit/>
+          </a:bodyPr>
+          <a:p>
+            <a:r>
+              <a:rPr lang="zh-CN" altLang="en-US"/>
+              <a:t>类适配器</a:t>
+            </a:r>
+            <a:endParaRPr lang="zh-CN" altLang="en-US"/>
+          </a:p>
+        </p:txBody>
+      </p:sp>
+      <p:sp>
+        <p:nvSpPr>
+          <p:cNvPr id="13" name="文本框 12"/>
+          <p:cNvSpPr txBox="1"/>
+          <p:nvPr/>
+        </p:nvSpPr>
+        <p:spPr>
+          <a:xfrm>
+            <a:off x="7577455" y="4800600"/>
+            <a:ext cx="1325880" cy="368300"/>
+          </a:xfrm>
+          <a:prstGeom prst="rect">
+            <a:avLst/>
+          </a:prstGeom>
+          <a:noFill/>
+        </p:spPr>
+        <p:txBody>
+          <a:bodyPr wrap="none" rtlCol="0">
+            <a:spAutoFit/>
+          </a:bodyPr>
+          <a:p>
+            <a:r>
+              <a:rPr lang="zh-CN" altLang="en-US"/>
+              <a:t>对象适配器</a:t>
+            </a:r>
+            <a:endParaRPr lang="zh-CN" altLang="en-US"/>
+          </a:p>
+        </p:txBody>
+      </p:sp>
     </p:spTree>
   </p:cSld>
   <p:clrMapOvr>
